--- a/Images/Chapter3/Meshes3D/Meshes3D.pptx
+++ b/Images/Chapter3/Meshes3D/Meshes3D.pptx
@@ -2,12 +2,12 @@
 <file path=ppt/presentation.xml><?xml version="1.0" encoding="utf-8"?>
 <p:presentation xmlns:a="http://schemas.openxmlformats.org/drawingml/2006/main" xmlns:r="http://schemas.openxmlformats.org/officeDocument/2006/relationships" xmlns:p="http://schemas.openxmlformats.org/presentationml/2006/main" saveSubsetFonts="1">
   <p:sldMasterIdLst>
-    <p:sldMasterId id="2147483660" r:id="rId1"/>
+    <p:sldMasterId id="2147483672" r:id="rId1"/>
   </p:sldMasterIdLst>
   <p:sldIdLst>
     <p:sldId id="256" r:id="rId2"/>
   </p:sldIdLst>
-  <p:sldSz cx="2879725" cy="1800225"/>
+  <p:sldSz cx="2743200" cy="1828800"/>
   <p:notesSz cx="6858000" cy="9144000"/>
   <p:defaultTextStyle>
     <a:defPPr>
@@ -107,12 +107,12 @@
   <p:extLst>
     <p:ext uri="{EFAFB233-063F-42B5-8137-9DF3F51BA10A}">
       <p15:sldGuideLst xmlns:p15="http://schemas.microsoft.com/office/powerpoint/2012/main">
-        <p15:guide id="1" orient="horz" pos="567" userDrawn="1">
+        <p15:guide id="1" orient="horz" pos="576" userDrawn="1">
           <p15:clr>
             <a:srgbClr val="A4A3A4"/>
           </p15:clr>
         </p15:guide>
-        <p15:guide id="2" pos="907" userDrawn="1">
+        <p15:guide id="2" pos="864" userDrawn="1">
           <p15:clr>
             <a:srgbClr val="A4A3A4"/>
           </p15:clr>
@@ -152,15 +152,15 @@
         </p:nvSpPr>
         <p:spPr>
           <a:xfrm>
-            <a:off x="359966" y="294620"/>
-            <a:ext cx="2159794" cy="626745"/>
+            <a:off x="205740" y="299297"/>
+            <a:ext cx="2331720" cy="636693"/>
           </a:xfrm>
         </p:spPr>
         <p:txBody>
           <a:bodyPr anchor="b"/>
           <a:lstStyle>
             <a:lvl1pPr algn="ctr">
-              <a:defRPr sz="1417"/>
+              <a:defRPr sz="1600"/>
             </a:lvl1pPr>
           </a:lstStyle>
           <a:p>
@@ -184,8 +184,8 @@
         </p:nvSpPr>
         <p:spPr>
           <a:xfrm>
-            <a:off x="359966" y="945535"/>
-            <a:ext cx="2159794" cy="434638"/>
+            <a:off x="342900" y="960543"/>
+            <a:ext cx="2057400" cy="441537"/>
           </a:xfrm>
         </p:spPr>
         <p:txBody>
@@ -193,39 +193,39 @@
           <a:lstStyle>
             <a:lvl1pPr marL="0" indent="0" algn="ctr">
               <a:buNone/>
-              <a:defRPr sz="567"/>
+              <a:defRPr sz="640"/>
             </a:lvl1pPr>
-            <a:lvl2pPr marL="107991" indent="0" algn="ctr">
-              <a:buNone/>
-              <a:defRPr sz="472"/>
+            <a:lvl2pPr marL="121935" indent="0" algn="ctr">
+              <a:buNone/>
+              <a:defRPr sz="533"/>
             </a:lvl2pPr>
-            <a:lvl3pPr marL="215981" indent="0" algn="ctr">
-              <a:buNone/>
-              <a:defRPr sz="425"/>
+            <a:lvl3pPr marL="243870" indent="0" algn="ctr">
+              <a:buNone/>
+              <a:defRPr sz="480"/>
             </a:lvl3pPr>
-            <a:lvl4pPr marL="323972" indent="0" algn="ctr">
-              <a:buNone/>
-              <a:defRPr sz="378"/>
+            <a:lvl4pPr marL="365806" indent="0" algn="ctr">
+              <a:buNone/>
+              <a:defRPr sz="427"/>
             </a:lvl4pPr>
-            <a:lvl5pPr marL="431963" indent="0" algn="ctr">
-              <a:buNone/>
-              <a:defRPr sz="378"/>
+            <a:lvl5pPr marL="487741" indent="0" algn="ctr">
+              <a:buNone/>
+              <a:defRPr sz="427"/>
             </a:lvl5pPr>
-            <a:lvl6pPr marL="539953" indent="0" algn="ctr">
-              <a:buNone/>
-              <a:defRPr sz="378"/>
+            <a:lvl6pPr marL="609676" indent="0" algn="ctr">
+              <a:buNone/>
+              <a:defRPr sz="427"/>
             </a:lvl6pPr>
-            <a:lvl7pPr marL="647944" indent="0" algn="ctr">
-              <a:buNone/>
-              <a:defRPr sz="378"/>
+            <a:lvl7pPr marL="731611" indent="0" algn="ctr">
+              <a:buNone/>
+              <a:defRPr sz="427"/>
             </a:lvl7pPr>
-            <a:lvl8pPr marL="755934" indent="0" algn="ctr">
-              <a:buNone/>
-              <a:defRPr sz="378"/>
+            <a:lvl8pPr marL="853547" indent="0" algn="ctr">
+              <a:buNone/>
+              <a:defRPr sz="427"/>
             </a:lvl8pPr>
-            <a:lvl9pPr marL="863925" indent="0" algn="ctr">
-              <a:buNone/>
-              <a:defRPr sz="378"/>
+            <a:lvl9pPr marL="975482" indent="0" algn="ctr">
+              <a:buNone/>
+              <a:defRPr sz="427"/>
             </a:lvl9pPr>
           </a:lstStyle>
           <a:p>
@@ -254,7 +254,7 @@
           <a:p>
             <a:fld id="{2CBEEEF6-6322-41F3-BA34-C8F4C57A89C3}" type="datetimeFigureOut">
               <a:rPr lang="en-US" smtClean="0"/>
-              <a:t>6/15/2015</a:t>
+              <a:t>9/25/2015</a:t>
             </a:fld>
             <a:endParaRPr lang="en-US"/>
           </a:p>
@@ -305,7 +305,7 @@
     </p:spTree>
     <p:extLst>
       <p:ext uri="{BB962C8B-B14F-4D97-AF65-F5344CB8AC3E}">
-        <p14:creationId xmlns:p14="http://schemas.microsoft.com/office/powerpoint/2010/main" val="2867484789"/>
+        <p14:creationId xmlns:p14="http://schemas.microsoft.com/office/powerpoint/2010/main" val="13776059"/>
       </p:ext>
     </p:extLst>
   </p:cSld>
@@ -424,7 +424,7 @@
           <a:p>
             <a:fld id="{2CBEEEF6-6322-41F3-BA34-C8F4C57A89C3}" type="datetimeFigureOut">
               <a:rPr lang="en-US" smtClean="0"/>
-              <a:t>6/15/2015</a:t>
+              <a:t>9/25/2015</a:t>
             </a:fld>
             <a:endParaRPr lang="en-US"/>
           </a:p>
@@ -475,7 +475,7 @@
     </p:spTree>
     <p:extLst>
       <p:ext uri="{BB962C8B-B14F-4D97-AF65-F5344CB8AC3E}">
-        <p14:creationId xmlns:p14="http://schemas.microsoft.com/office/powerpoint/2010/main" val="3128528557"/>
+        <p14:creationId xmlns:p14="http://schemas.microsoft.com/office/powerpoint/2010/main" val="2686050455"/>
       </p:ext>
     </p:extLst>
   </p:cSld>
@@ -514,8 +514,8 @@
         </p:nvSpPr>
         <p:spPr>
           <a:xfrm>
-            <a:off x="2060803" y="95846"/>
-            <a:ext cx="620941" cy="1525607"/>
+            <a:off x="1963102" y="97367"/>
+            <a:ext cx="591503" cy="1549823"/>
           </a:xfrm>
         </p:spPr>
         <p:txBody>
@@ -542,8 +542,8 @@
         </p:nvSpPr>
         <p:spPr>
           <a:xfrm>
-            <a:off x="197981" y="95846"/>
-            <a:ext cx="1826826" cy="1525607"/>
+            <a:off x="188595" y="97367"/>
+            <a:ext cx="1740218" cy="1549823"/>
           </a:xfrm>
         </p:spPr>
         <p:txBody>
@@ -604,7 +604,7 @@
           <a:p>
             <a:fld id="{2CBEEEF6-6322-41F3-BA34-C8F4C57A89C3}" type="datetimeFigureOut">
               <a:rPr lang="en-US" smtClean="0"/>
-              <a:t>6/15/2015</a:t>
+              <a:t>9/25/2015</a:t>
             </a:fld>
             <a:endParaRPr lang="en-US"/>
           </a:p>
@@ -655,7 +655,7 @@
     </p:spTree>
     <p:extLst>
       <p:ext uri="{BB962C8B-B14F-4D97-AF65-F5344CB8AC3E}">
-        <p14:creationId xmlns:p14="http://schemas.microsoft.com/office/powerpoint/2010/main" val="2642209491"/>
+        <p14:creationId xmlns:p14="http://schemas.microsoft.com/office/powerpoint/2010/main" val="4149836534"/>
       </p:ext>
     </p:extLst>
   </p:cSld>
@@ -774,7 +774,7 @@
           <a:p>
             <a:fld id="{2CBEEEF6-6322-41F3-BA34-C8F4C57A89C3}" type="datetimeFigureOut">
               <a:rPr lang="en-US" smtClean="0"/>
-              <a:t>6/15/2015</a:t>
+              <a:t>9/25/2015</a:t>
             </a:fld>
             <a:endParaRPr lang="en-US"/>
           </a:p>
@@ -825,7 +825,7 @@
     </p:spTree>
     <p:extLst>
       <p:ext uri="{BB962C8B-B14F-4D97-AF65-F5344CB8AC3E}">
-        <p14:creationId xmlns:p14="http://schemas.microsoft.com/office/powerpoint/2010/main" val="421881561"/>
+        <p14:creationId xmlns:p14="http://schemas.microsoft.com/office/powerpoint/2010/main" val="2298779492"/>
       </p:ext>
     </p:extLst>
   </p:cSld>
@@ -864,15 +864,15 @@
         </p:nvSpPr>
         <p:spPr>
           <a:xfrm>
-            <a:off x="196481" y="448807"/>
-            <a:ext cx="2483763" cy="748843"/>
+            <a:off x="187166" y="455930"/>
+            <a:ext cx="2366010" cy="760730"/>
           </a:xfrm>
         </p:spPr>
         <p:txBody>
           <a:bodyPr anchor="b"/>
           <a:lstStyle>
             <a:lvl1pPr>
-              <a:defRPr sz="1417"/>
+              <a:defRPr sz="1600"/>
             </a:lvl1pPr>
           </a:lstStyle>
           <a:p>
@@ -896,8 +896,8 @@
         </p:nvSpPr>
         <p:spPr>
           <a:xfrm>
-            <a:off x="196481" y="1204734"/>
-            <a:ext cx="2483763" cy="393799"/>
+            <a:off x="187166" y="1223857"/>
+            <a:ext cx="2366010" cy="400050"/>
           </a:xfrm>
         </p:spPr>
         <p:txBody>
@@ -905,17 +905,15 @@
           <a:lstStyle>
             <a:lvl1pPr marL="0" indent="0">
               <a:buNone/>
-              <a:defRPr sz="567">
+              <a:defRPr sz="640">
                 <a:solidFill>
-                  <a:schemeClr val="tx1">
-                    <a:tint val="75000"/>
-                  </a:schemeClr>
+                  <a:schemeClr val="tx1"/>
                 </a:solidFill>
               </a:defRPr>
             </a:lvl1pPr>
-            <a:lvl2pPr marL="107991" indent="0">
-              <a:buNone/>
-              <a:defRPr sz="472">
+            <a:lvl2pPr marL="121935" indent="0">
+              <a:buNone/>
+              <a:defRPr sz="533">
                 <a:solidFill>
                   <a:schemeClr val="tx1">
                     <a:tint val="75000"/>
@@ -923,9 +921,9 @@
                 </a:solidFill>
               </a:defRPr>
             </a:lvl2pPr>
-            <a:lvl3pPr marL="215981" indent="0">
-              <a:buNone/>
-              <a:defRPr sz="425">
+            <a:lvl3pPr marL="243870" indent="0">
+              <a:buNone/>
+              <a:defRPr sz="480">
                 <a:solidFill>
                   <a:schemeClr val="tx1">
                     <a:tint val="75000"/>
@@ -933,9 +931,9 @@
                 </a:solidFill>
               </a:defRPr>
             </a:lvl3pPr>
-            <a:lvl4pPr marL="323972" indent="0">
-              <a:buNone/>
-              <a:defRPr sz="378">
+            <a:lvl4pPr marL="365806" indent="0">
+              <a:buNone/>
+              <a:defRPr sz="427">
                 <a:solidFill>
                   <a:schemeClr val="tx1">
                     <a:tint val="75000"/>
@@ -943,9 +941,9 @@
                 </a:solidFill>
               </a:defRPr>
             </a:lvl4pPr>
-            <a:lvl5pPr marL="431963" indent="0">
-              <a:buNone/>
-              <a:defRPr sz="378">
+            <a:lvl5pPr marL="487741" indent="0">
+              <a:buNone/>
+              <a:defRPr sz="427">
                 <a:solidFill>
                   <a:schemeClr val="tx1">
                     <a:tint val="75000"/>
@@ -953,9 +951,9 @@
                 </a:solidFill>
               </a:defRPr>
             </a:lvl5pPr>
-            <a:lvl6pPr marL="539953" indent="0">
-              <a:buNone/>
-              <a:defRPr sz="378">
+            <a:lvl6pPr marL="609676" indent="0">
+              <a:buNone/>
+              <a:defRPr sz="427">
                 <a:solidFill>
                   <a:schemeClr val="tx1">
                     <a:tint val="75000"/>
@@ -963,9 +961,9 @@
                 </a:solidFill>
               </a:defRPr>
             </a:lvl6pPr>
-            <a:lvl7pPr marL="647944" indent="0">
-              <a:buNone/>
-              <a:defRPr sz="378">
+            <a:lvl7pPr marL="731611" indent="0">
+              <a:buNone/>
+              <a:defRPr sz="427">
                 <a:solidFill>
                   <a:schemeClr val="tx1">
                     <a:tint val="75000"/>
@@ -973,9 +971,9 @@
                 </a:solidFill>
               </a:defRPr>
             </a:lvl7pPr>
-            <a:lvl8pPr marL="755934" indent="0">
-              <a:buNone/>
-              <a:defRPr sz="378">
+            <a:lvl8pPr marL="853547" indent="0">
+              <a:buNone/>
+              <a:defRPr sz="427">
                 <a:solidFill>
                   <a:schemeClr val="tx1">
                     <a:tint val="75000"/>
@@ -983,9 +981,9 @@
                 </a:solidFill>
               </a:defRPr>
             </a:lvl8pPr>
-            <a:lvl9pPr marL="863925" indent="0">
-              <a:buNone/>
-              <a:defRPr sz="378">
+            <a:lvl9pPr marL="975482" indent="0">
+              <a:buNone/>
+              <a:defRPr sz="427">
                 <a:solidFill>
                   <a:schemeClr val="tx1">
                     <a:tint val="75000"/>
@@ -1020,7 +1018,7 @@
           <a:p>
             <a:fld id="{2CBEEEF6-6322-41F3-BA34-C8F4C57A89C3}" type="datetimeFigureOut">
               <a:rPr lang="en-US" smtClean="0"/>
-              <a:t>6/15/2015</a:t>
+              <a:t>9/25/2015</a:t>
             </a:fld>
             <a:endParaRPr lang="en-US"/>
           </a:p>
@@ -1071,7 +1069,7 @@
     </p:spTree>
     <p:extLst>
       <p:ext uri="{BB962C8B-B14F-4D97-AF65-F5344CB8AC3E}">
-        <p14:creationId xmlns:p14="http://schemas.microsoft.com/office/powerpoint/2010/main" val="3031264567"/>
+        <p14:creationId xmlns:p14="http://schemas.microsoft.com/office/powerpoint/2010/main" val="3316358055"/>
       </p:ext>
     </p:extLst>
   </p:cSld>
@@ -1133,8 +1131,8 @@
         </p:nvSpPr>
         <p:spPr>
           <a:xfrm>
-            <a:off x="197981" y="479227"/>
-            <a:ext cx="1223883" cy="1142226"/>
+            <a:off x="188595" y="486833"/>
+            <a:ext cx="1165860" cy="1160357"/>
           </a:xfrm>
         </p:spPr>
         <p:txBody>
@@ -1190,8 +1188,8 @@
         </p:nvSpPr>
         <p:spPr>
           <a:xfrm>
-            <a:off x="1457861" y="479227"/>
-            <a:ext cx="1223883" cy="1142226"/>
+            <a:off x="1388745" y="486833"/>
+            <a:ext cx="1165860" cy="1160357"/>
           </a:xfrm>
         </p:spPr>
         <p:txBody>
@@ -1252,7 +1250,7 @@
           <a:p>
             <a:fld id="{2CBEEEF6-6322-41F3-BA34-C8F4C57A89C3}" type="datetimeFigureOut">
               <a:rPr lang="en-US" smtClean="0"/>
-              <a:t>6/15/2015</a:t>
+              <a:t>9/25/2015</a:t>
             </a:fld>
             <a:endParaRPr lang="en-US"/>
           </a:p>
@@ -1303,7 +1301,7 @@
     </p:spTree>
     <p:extLst>
       <p:ext uri="{BB962C8B-B14F-4D97-AF65-F5344CB8AC3E}">
-        <p14:creationId xmlns:p14="http://schemas.microsoft.com/office/powerpoint/2010/main" val="2556796538"/>
+        <p14:creationId xmlns:p14="http://schemas.microsoft.com/office/powerpoint/2010/main" val="4122457162"/>
       </p:ext>
     </p:extLst>
   </p:cSld>
@@ -1342,8 +1340,8 @@
         </p:nvSpPr>
         <p:spPr>
           <a:xfrm>
-            <a:off x="198356" y="95846"/>
-            <a:ext cx="2483763" cy="347960"/>
+            <a:off x="188952" y="97367"/>
+            <a:ext cx="2366010" cy="353483"/>
           </a:xfrm>
         </p:spPr>
         <p:txBody>
@@ -1370,8 +1368,8 @@
         </p:nvSpPr>
         <p:spPr>
           <a:xfrm>
-            <a:off x="198356" y="441305"/>
-            <a:ext cx="1218259" cy="216277"/>
+            <a:off x="188953" y="448310"/>
+            <a:ext cx="1160502" cy="219710"/>
           </a:xfrm>
         </p:spPr>
         <p:txBody>
@@ -1379,39 +1377,39 @@
           <a:lstStyle>
             <a:lvl1pPr marL="0" indent="0">
               <a:buNone/>
-              <a:defRPr sz="567" b="1"/>
+              <a:defRPr sz="640" b="1"/>
             </a:lvl1pPr>
-            <a:lvl2pPr marL="107991" indent="0">
-              <a:buNone/>
-              <a:defRPr sz="472" b="1"/>
+            <a:lvl2pPr marL="121935" indent="0">
+              <a:buNone/>
+              <a:defRPr sz="533" b="1"/>
             </a:lvl2pPr>
-            <a:lvl3pPr marL="215981" indent="0">
-              <a:buNone/>
-              <a:defRPr sz="425" b="1"/>
+            <a:lvl3pPr marL="243870" indent="0">
+              <a:buNone/>
+              <a:defRPr sz="480" b="1"/>
             </a:lvl3pPr>
-            <a:lvl4pPr marL="323972" indent="0">
-              <a:buNone/>
-              <a:defRPr sz="378" b="1"/>
+            <a:lvl4pPr marL="365806" indent="0">
+              <a:buNone/>
+              <a:defRPr sz="427" b="1"/>
             </a:lvl4pPr>
-            <a:lvl5pPr marL="431963" indent="0">
-              <a:buNone/>
-              <a:defRPr sz="378" b="1"/>
+            <a:lvl5pPr marL="487741" indent="0">
+              <a:buNone/>
+              <a:defRPr sz="427" b="1"/>
             </a:lvl5pPr>
-            <a:lvl6pPr marL="539953" indent="0">
-              <a:buNone/>
-              <a:defRPr sz="378" b="1"/>
+            <a:lvl6pPr marL="609676" indent="0">
+              <a:buNone/>
+              <a:defRPr sz="427" b="1"/>
             </a:lvl6pPr>
-            <a:lvl7pPr marL="647944" indent="0">
-              <a:buNone/>
-              <a:defRPr sz="378" b="1"/>
+            <a:lvl7pPr marL="731611" indent="0">
+              <a:buNone/>
+              <a:defRPr sz="427" b="1"/>
             </a:lvl7pPr>
-            <a:lvl8pPr marL="755934" indent="0">
-              <a:buNone/>
-              <a:defRPr sz="378" b="1"/>
+            <a:lvl8pPr marL="853547" indent="0">
+              <a:buNone/>
+              <a:defRPr sz="427" b="1"/>
             </a:lvl8pPr>
-            <a:lvl9pPr marL="863925" indent="0">
-              <a:buNone/>
-              <a:defRPr sz="378" b="1"/>
+            <a:lvl9pPr marL="975482" indent="0">
+              <a:buNone/>
+              <a:defRPr sz="427" b="1"/>
             </a:lvl9pPr>
           </a:lstStyle>
           <a:p>
@@ -1435,8 +1433,8 @@
         </p:nvSpPr>
         <p:spPr>
           <a:xfrm>
-            <a:off x="198356" y="657582"/>
-            <a:ext cx="1218259" cy="967204"/>
+            <a:off x="188953" y="668020"/>
+            <a:ext cx="1160502" cy="982557"/>
           </a:xfrm>
         </p:spPr>
         <p:txBody>
@@ -1492,8 +1490,8 @@
         </p:nvSpPr>
         <p:spPr>
           <a:xfrm>
-            <a:off x="1457861" y="441305"/>
-            <a:ext cx="1224258" cy="216277"/>
+            <a:off x="1388745" y="448310"/>
+            <a:ext cx="1166217" cy="219710"/>
           </a:xfrm>
         </p:spPr>
         <p:txBody>
@@ -1501,39 +1499,39 @@
           <a:lstStyle>
             <a:lvl1pPr marL="0" indent="0">
               <a:buNone/>
-              <a:defRPr sz="567" b="1"/>
+              <a:defRPr sz="640" b="1"/>
             </a:lvl1pPr>
-            <a:lvl2pPr marL="107991" indent="0">
-              <a:buNone/>
-              <a:defRPr sz="472" b="1"/>
+            <a:lvl2pPr marL="121935" indent="0">
+              <a:buNone/>
+              <a:defRPr sz="533" b="1"/>
             </a:lvl2pPr>
-            <a:lvl3pPr marL="215981" indent="0">
-              <a:buNone/>
-              <a:defRPr sz="425" b="1"/>
+            <a:lvl3pPr marL="243870" indent="0">
+              <a:buNone/>
+              <a:defRPr sz="480" b="1"/>
             </a:lvl3pPr>
-            <a:lvl4pPr marL="323972" indent="0">
-              <a:buNone/>
-              <a:defRPr sz="378" b="1"/>
+            <a:lvl4pPr marL="365806" indent="0">
+              <a:buNone/>
+              <a:defRPr sz="427" b="1"/>
             </a:lvl4pPr>
-            <a:lvl5pPr marL="431963" indent="0">
-              <a:buNone/>
-              <a:defRPr sz="378" b="1"/>
+            <a:lvl5pPr marL="487741" indent="0">
+              <a:buNone/>
+              <a:defRPr sz="427" b="1"/>
             </a:lvl5pPr>
-            <a:lvl6pPr marL="539953" indent="0">
-              <a:buNone/>
-              <a:defRPr sz="378" b="1"/>
+            <a:lvl6pPr marL="609676" indent="0">
+              <a:buNone/>
+              <a:defRPr sz="427" b="1"/>
             </a:lvl6pPr>
-            <a:lvl7pPr marL="647944" indent="0">
-              <a:buNone/>
-              <a:defRPr sz="378" b="1"/>
+            <a:lvl7pPr marL="731611" indent="0">
+              <a:buNone/>
+              <a:defRPr sz="427" b="1"/>
             </a:lvl7pPr>
-            <a:lvl8pPr marL="755934" indent="0">
-              <a:buNone/>
-              <a:defRPr sz="378" b="1"/>
+            <a:lvl8pPr marL="853547" indent="0">
+              <a:buNone/>
+              <a:defRPr sz="427" b="1"/>
             </a:lvl8pPr>
-            <a:lvl9pPr marL="863925" indent="0">
-              <a:buNone/>
-              <a:defRPr sz="378" b="1"/>
+            <a:lvl9pPr marL="975482" indent="0">
+              <a:buNone/>
+              <a:defRPr sz="427" b="1"/>
             </a:lvl9pPr>
           </a:lstStyle>
           <a:p>
@@ -1557,8 +1555,8 @@
         </p:nvSpPr>
         <p:spPr>
           <a:xfrm>
-            <a:off x="1457861" y="657582"/>
-            <a:ext cx="1224258" cy="967204"/>
+            <a:off x="1388745" y="668020"/>
+            <a:ext cx="1166217" cy="982557"/>
           </a:xfrm>
         </p:spPr>
         <p:txBody>
@@ -1619,7 +1617,7 @@
           <a:p>
             <a:fld id="{2CBEEEF6-6322-41F3-BA34-C8F4C57A89C3}" type="datetimeFigureOut">
               <a:rPr lang="en-US" smtClean="0"/>
-              <a:t>6/15/2015</a:t>
+              <a:t>9/25/2015</a:t>
             </a:fld>
             <a:endParaRPr lang="en-US"/>
           </a:p>
@@ -1670,7 +1668,7 @@
     </p:spTree>
     <p:extLst>
       <p:ext uri="{BB962C8B-B14F-4D97-AF65-F5344CB8AC3E}">
-        <p14:creationId xmlns:p14="http://schemas.microsoft.com/office/powerpoint/2010/main" val="4202896924"/>
+        <p14:creationId xmlns:p14="http://schemas.microsoft.com/office/powerpoint/2010/main" val="214067144"/>
       </p:ext>
     </p:extLst>
   </p:cSld>
@@ -1737,7 +1735,7 @@
           <a:p>
             <a:fld id="{2CBEEEF6-6322-41F3-BA34-C8F4C57A89C3}" type="datetimeFigureOut">
               <a:rPr lang="en-US" smtClean="0"/>
-              <a:t>6/15/2015</a:t>
+              <a:t>9/25/2015</a:t>
             </a:fld>
             <a:endParaRPr lang="en-US"/>
           </a:p>
@@ -1788,7 +1786,7 @@
     </p:spTree>
     <p:extLst>
       <p:ext uri="{BB962C8B-B14F-4D97-AF65-F5344CB8AC3E}">
-        <p14:creationId xmlns:p14="http://schemas.microsoft.com/office/powerpoint/2010/main" val="4013471060"/>
+        <p14:creationId xmlns:p14="http://schemas.microsoft.com/office/powerpoint/2010/main" val="1478317205"/>
       </p:ext>
     </p:extLst>
   </p:cSld>
@@ -1832,7 +1830,7 @@
           <a:p>
             <a:fld id="{2CBEEEF6-6322-41F3-BA34-C8F4C57A89C3}" type="datetimeFigureOut">
               <a:rPr lang="en-US" smtClean="0"/>
-              <a:t>6/15/2015</a:t>
+              <a:t>9/25/2015</a:t>
             </a:fld>
             <a:endParaRPr lang="en-US"/>
           </a:p>
@@ -1883,7 +1881,7 @@
     </p:spTree>
     <p:extLst>
       <p:ext uri="{BB962C8B-B14F-4D97-AF65-F5344CB8AC3E}">
-        <p14:creationId xmlns:p14="http://schemas.microsoft.com/office/powerpoint/2010/main" val="146561762"/>
+        <p14:creationId xmlns:p14="http://schemas.microsoft.com/office/powerpoint/2010/main" val="2082627823"/>
       </p:ext>
     </p:extLst>
   </p:cSld>
@@ -1922,15 +1920,15 @@
         </p:nvSpPr>
         <p:spPr>
           <a:xfrm>
-            <a:off x="198356" y="120015"/>
-            <a:ext cx="928786" cy="420053"/>
+            <a:off x="188953" y="121920"/>
+            <a:ext cx="884753" cy="426720"/>
           </a:xfrm>
         </p:spPr>
         <p:txBody>
           <a:bodyPr anchor="b"/>
           <a:lstStyle>
             <a:lvl1pPr>
-              <a:defRPr sz="756"/>
+              <a:defRPr sz="853"/>
             </a:lvl1pPr>
           </a:lstStyle>
           <a:p>
@@ -1954,39 +1952,39 @@
         </p:nvSpPr>
         <p:spPr>
           <a:xfrm>
-            <a:off x="1224258" y="259199"/>
-            <a:ext cx="1457861" cy="1279327"/>
+            <a:off x="1166217" y="263314"/>
+            <a:ext cx="1388745" cy="1299633"/>
           </a:xfrm>
         </p:spPr>
         <p:txBody>
           <a:bodyPr/>
           <a:lstStyle>
             <a:lvl1pPr>
-              <a:defRPr sz="756"/>
+              <a:defRPr sz="853"/>
             </a:lvl1pPr>
             <a:lvl2pPr>
-              <a:defRPr sz="661"/>
+              <a:defRPr sz="747"/>
             </a:lvl2pPr>
             <a:lvl3pPr>
-              <a:defRPr sz="567"/>
+              <a:defRPr sz="640"/>
             </a:lvl3pPr>
             <a:lvl4pPr>
-              <a:defRPr sz="472"/>
+              <a:defRPr sz="533"/>
             </a:lvl4pPr>
             <a:lvl5pPr>
-              <a:defRPr sz="472"/>
+              <a:defRPr sz="533"/>
             </a:lvl5pPr>
             <a:lvl6pPr>
-              <a:defRPr sz="472"/>
+              <a:defRPr sz="533"/>
             </a:lvl6pPr>
             <a:lvl7pPr>
-              <a:defRPr sz="472"/>
+              <a:defRPr sz="533"/>
             </a:lvl7pPr>
             <a:lvl8pPr>
-              <a:defRPr sz="472"/>
+              <a:defRPr sz="533"/>
             </a:lvl8pPr>
             <a:lvl9pPr>
-              <a:defRPr sz="472"/>
+              <a:defRPr sz="533"/>
             </a:lvl9pPr>
           </a:lstStyle>
           <a:p>
@@ -2039,8 +2037,8 @@
         </p:nvSpPr>
         <p:spPr>
           <a:xfrm>
-            <a:off x="198356" y="540067"/>
-            <a:ext cx="928786" cy="1000542"/>
+            <a:off x="188953" y="548640"/>
+            <a:ext cx="884753" cy="1016423"/>
           </a:xfrm>
         </p:spPr>
         <p:txBody>
@@ -2048,39 +2046,39 @@
           <a:lstStyle>
             <a:lvl1pPr marL="0" indent="0">
               <a:buNone/>
-              <a:defRPr sz="378"/>
+              <a:defRPr sz="427"/>
             </a:lvl1pPr>
-            <a:lvl2pPr marL="107991" indent="0">
-              <a:buNone/>
-              <a:defRPr sz="331"/>
+            <a:lvl2pPr marL="121935" indent="0">
+              <a:buNone/>
+              <a:defRPr sz="373"/>
             </a:lvl2pPr>
-            <a:lvl3pPr marL="215981" indent="0">
-              <a:buNone/>
-              <a:defRPr sz="283"/>
+            <a:lvl3pPr marL="243870" indent="0">
+              <a:buNone/>
+              <a:defRPr sz="320"/>
             </a:lvl3pPr>
-            <a:lvl4pPr marL="323972" indent="0">
-              <a:buNone/>
-              <a:defRPr sz="236"/>
+            <a:lvl4pPr marL="365806" indent="0">
+              <a:buNone/>
+              <a:defRPr sz="267"/>
             </a:lvl4pPr>
-            <a:lvl5pPr marL="431963" indent="0">
-              <a:buNone/>
-              <a:defRPr sz="236"/>
+            <a:lvl5pPr marL="487741" indent="0">
+              <a:buNone/>
+              <a:defRPr sz="267"/>
             </a:lvl5pPr>
-            <a:lvl6pPr marL="539953" indent="0">
-              <a:buNone/>
-              <a:defRPr sz="236"/>
+            <a:lvl6pPr marL="609676" indent="0">
+              <a:buNone/>
+              <a:defRPr sz="267"/>
             </a:lvl6pPr>
-            <a:lvl7pPr marL="647944" indent="0">
-              <a:buNone/>
-              <a:defRPr sz="236"/>
+            <a:lvl7pPr marL="731611" indent="0">
+              <a:buNone/>
+              <a:defRPr sz="267"/>
             </a:lvl7pPr>
-            <a:lvl8pPr marL="755934" indent="0">
-              <a:buNone/>
-              <a:defRPr sz="236"/>
+            <a:lvl8pPr marL="853547" indent="0">
+              <a:buNone/>
+              <a:defRPr sz="267"/>
             </a:lvl8pPr>
-            <a:lvl9pPr marL="863925" indent="0">
-              <a:buNone/>
-              <a:defRPr sz="236"/>
+            <a:lvl9pPr marL="975482" indent="0">
+              <a:buNone/>
+              <a:defRPr sz="267"/>
             </a:lvl9pPr>
           </a:lstStyle>
           <a:p>
@@ -2109,7 +2107,7 @@
           <a:p>
             <a:fld id="{2CBEEEF6-6322-41F3-BA34-C8F4C57A89C3}" type="datetimeFigureOut">
               <a:rPr lang="en-US" smtClean="0"/>
-              <a:t>6/15/2015</a:t>
+              <a:t>9/25/2015</a:t>
             </a:fld>
             <a:endParaRPr lang="en-US"/>
           </a:p>
@@ -2160,7 +2158,7 @@
     </p:spTree>
     <p:extLst>
       <p:ext uri="{BB962C8B-B14F-4D97-AF65-F5344CB8AC3E}">
-        <p14:creationId xmlns:p14="http://schemas.microsoft.com/office/powerpoint/2010/main" val="2747997000"/>
+        <p14:creationId xmlns:p14="http://schemas.microsoft.com/office/powerpoint/2010/main" val="1254452379"/>
       </p:ext>
     </p:extLst>
   </p:cSld>
@@ -2199,15 +2197,15 @@
         </p:nvSpPr>
         <p:spPr>
           <a:xfrm>
-            <a:off x="198356" y="120015"/>
-            <a:ext cx="928786" cy="420053"/>
+            <a:off x="188953" y="121920"/>
+            <a:ext cx="884753" cy="426720"/>
           </a:xfrm>
         </p:spPr>
         <p:txBody>
           <a:bodyPr anchor="b"/>
           <a:lstStyle>
             <a:lvl1pPr>
-              <a:defRPr sz="756"/>
+              <a:defRPr sz="853"/>
             </a:lvl1pPr>
           </a:lstStyle>
           <a:p>
@@ -2231,8 +2229,8 @@
         </p:nvSpPr>
         <p:spPr>
           <a:xfrm>
-            <a:off x="1224258" y="259199"/>
-            <a:ext cx="1457861" cy="1279327"/>
+            <a:off x="1166217" y="263314"/>
+            <a:ext cx="1388745" cy="1299633"/>
           </a:xfrm>
         </p:spPr>
         <p:txBody>
@@ -2240,39 +2238,39 @@
           <a:lstStyle>
             <a:lvl1pPr marL="0" indent="0">
               <a:buNone/>
-              <a:defRPr sz="756"/>
+              <a:defRPr sz="853"/>
             </a:lvl1pPr>
-            <a:lvl2pPr marL="107991" indent="0">
-              <a:buNone/>
-              <a:defRPr sz="661"/>
+            <a:lvl2pPr marL="121935" indent="0">
+              <a:buNone/>
+              <a:defRPr sz="747"/>
             </a:lvl2pPr>
-            <a:lvl3pPr marL="215981" indent="0">
-              <a:buNone/>
-              <a:defRPr sz="567"/>
+            <a:lvl3pPr marL="243870" indent="0">
+              <a:buNone/>
+              <a:defRPr sz="640"/>
             </a:lvl3pPr>
-            <a:lvl4pPr marL="323972" indent="0">
-              <a:buNone/>
-              <a:defRPr sz="472"/>
+            <a:lvl4pPr marL="365806" indent="0">
+              <a:buNone/>
+              <a:defRPr sz="533"/>
             </a:lvl4pPr>
-            <a:lvl5pPr marL="431963" indent="0">
-              <a:buNone/>
-              <a:defRPr sz="472"/>
+            <a:lvl5pPr marL="487741" indent="0">
+              <a:buNone/>
+              <a:defRPr sz="533"/>
             </a:lvl5pPr>
-            <a:lvl6pPr marL="539953" indent="0">
-              <a:buNone/>
-              <a:defRPr sz="472"/>
+            <a:lvl6pPr marL="609676" indent="0">
+              <a:buNone/>
+              <a:defRPr sz="533"/>
             </a:lvl6pPr>
-            <a:lvl7pPr marL="647944" indent="0">
-              <a:buNone/>
-              <a:defRPr sz="472"/>
+            <a:lvl7pPr marL="731611" indent="0">
+              <a:buNone/>
+              <a:defRPr sz="533"/>
             </a:lvl7pPr>
-            <a:lvl8pPr marL="755934" indent="0">
-              <a:buNone/>
-              <a:defRPr sz="472"/>
+            <a:lvl8pPr marL="853547" indent="0">
+              <a:buNone/>
+              <a:defRPr sz="533"/>
             </a:lvl8pPr>
-            <a:lvl9pPr marL="863925" indent="0">
-              <a:buNone/>
-              <a:defRPr sz="472"/>
+            <a:lvl9pPr marL="975482" indent="0">
+              <a:buNone/>
+              <a:defRPr sz="533"/>
             </a:lvl9pPr>
           </a:lstStyle>
           <a:p>
@@ -2296,8 +2294,8 @@
         </p:nvSpPr>
         <p:spPr>
           <a:xfrm>
-            <a:off x="198356" y="540067"/>
-            <a:ext cx="928786" cy="1000542"/>
+            <a:off x="188953" y="548640"/>
+            <a:ext cx="884753" cy="1016423"/>
           </a:xfrm>
         </p:spPr>
         <p:txBody>
@@ -2305,39 +2303,39 @@
           <a:lstStyle>
             <a:lvl1pPr marL="0" indent="0">
               <a:buNone/>
-              <a:defRPr sz="378"/>
+              <a:defRPr sz="427"/>
             </a:lvl1pPr>
-            <a:lvl2pPr marL="107991" indent="0">
-              <a:buNone/>
-              <a:defRPr sz="331"/>
+            <a:lvl2pPr marL="121935" indent="0">
+              <a:buNone/>
+              <a:defRPr sz="373"/>
             </a:lvl2pPr>
-            <a:lvl3pPr marL="215981" indent="0">
-              <a:buNone/>
-              <a:defRPr sz="283"/>
+            <a:lvl3pPr marL="243870" indent="0">
+              <a:buNone/>
+              <a:defRPr sz="320"/>
             </a:lvl3pPr>
-            <a:lvl4pPr marL="323972" indent="0">
-              <a:buNone/>
-              <a:defRPr sz="236"/>
+            <a:lvl4pPr marL="365806" indent="0">
+              <a:buNone/>
+              <a:defRPr sz="267"/>
             </a:lvl4pPr>
-            <a:lvl5pPr marL="431963" indent="0">
-              <a:buNone/>
-              <a:defRPr sz="236"/>
+            <a:lvl5pPr marL="487741" indent="0">
+              <a:buNone/>
+              <a:defRPr sz="267"/>
             </a:lvl5pPr>
-            <a:lvl6pPr marL="539953" indent="0">
-              <a:buNone/>
-              <a:defRPr sz="236"/>
+            <a:lvl6pPr marL="609676" indent="0">
+              <a:buNone/>
+              <a:defRPr sz="267"/>
             </a:lvl6pPr>
-            <a:lvl7pPr marL="647944" indent="0">
-              <a:buNone/>
-              <a:defRPr sz="236"/>
+            <a:lvl7pPr marL="731611" indent="0">
+              <a:buNone/>
+              <a:defRPr sz="267"/>
             </a:lvl7pPr>
-            <a:lvl8pPr marL="755934" indent="0">
-              <a:buNone/>
-              <a:defRPr sz="236"/>
+            <a:lvl8pPr marL="853547" indent="0">
+              <a:buNone/>
+              <a:defRPr sz="267"/>
             </a:lvl8pPr>
-            <a:lvl9pPr marL="863925" indent="0">
-              <a:buNone/>
-              <a:defRPr sz="236"/>
+            <a:lvl9pPr marL="975482" indent="0">
+              <a:buNone/>
+              <a:defRPr sz="267"/>
             </a:lvl9pPr>
           </a:lstStyle>
           <a:p>
@@ -2366,7 +2364,7 @@
           <a:p>
             <a:fld id="{2CBEEEF6-6322-41F3-BA34-C8F4C57A89C3}" type="datetimeFigureOut">
               <a:rPr lang="en-US" smtClean="0"/>
-              <a:t>6/15/2015</a:t>
+              <a:t>9/25/2015</a:t>
             </a:fld>
             <a:endParaRPr lang="en-US"/>
           </a:p>
@@ -2417,7 +2415,7 @@
     </p:spTree>
     <p:extLst>
       <p:ext uri="{BB962C8B-B14F-4D97-AF65-F5344CB8AC3E}">
-        <p14:creationId xmlns:p14="http://schemas.microsoft.com/office/powerpoint/2010/main" val="962313107"/>
+        <p14:creationId xmlns:p14="http://schemas.microsoft.com/office/powerpoint/2010/main" val="3203414566"/>
       </p:ext>
     </p:extLst>
   </p:cSld>
@@ -2461,8 +2459,8 @@
         </p:nvSpPr>
         <p:spPr>
           <a:xfrm>
-            <a:off x="197981" y="95846"/>
-            <a:ext cx="2483763" cy="347960"/>
+            <a:off x="188595" y="97367"/>
+            <a:ext cx="2366010" cy="353483"/>
           </a:xfrm>
           <a:prstGeom prst="rect">
             <a:avLst/>
@@ -2494,8 +2492,8 @@
         </p:nvSpPr>
         <p:spPr>
           <a:xfrm>
-            <a:off x="197981" y="479227"/>
-            <a:ext cx="2483763" cy="1142226"/>
+            <a:off x="188595" y="486833"/>
+            <a:ext cx="2366010" cy="1160357"/>
           </a:xfrm>
           <a:prstGeom prst="rect">
             <a:avLst/>
@@ -2556,8 +2554,8 @@
         </p:nvSpPr>
         <p:spPr>
           <a:xfrm>
-            <a:off x="197981" y="1668542"/>
-            <a:ext cx="647938" cy="95845"/>
+            <a:off x="188595" y="1695027"/>
+            <a:ext cx="617220" cy="97367"/>
           </a:xfrm>
           <a:prstGeom prst="rect">
             <a:avLst/>
@@ -2567,7 +2565,7 @@
           <a:bodyPr vert="horz" lIns="91440" tIns="45720" rIns="91440" bIns="45720" rtlCol="0" anchor="ctr"/>
           <a:lstStyle>
             <a:lvl1pPr algn="l">
-              <a:defRPr sz="283">
+              <a:defRPr sz="320">
                 <a:solidFill>
                   <a:schemeClr val="tx1">
                     <a:tint val="75000"/>
@@ -2579,7 +2577,7 @@
           <a:p>
             <a:fld id="{2CBEEEF6-6322-41F3-BA34-C8F4C57A89C3}" type="datetimeFigureOut">
               <a:rPr lang="en-US" smtClean="0"/>
-              <a:t>6/15/2015</a:t>
+              <a:t>9/25/2015</a:t>
             </a:fld>
             <a:endParaRPr lang="en-US"/>
           </a:p>
@@ -2597,8 +2595,8 @@
         </p:nvSpPr>
         <p:spPr>
           <a:xfrm>
-            <a:off x="953909" y="1668542"/>
-            <a:ext cx="971907" cy="95845"/>
+            <a:off x="908685" y="1695027"/>
+            <a:ext cx="925830" cy="97367"/>
           </a:xfrm>
           <a:prstGeom prst="rect">
             <a:avLst/>
@@ -2608,7 +2606,7 @@
           <a:bodyPr vert="horz" lIns="91440" tIns="45720" rIns="91440" bIns="45720" rtlCol="0" anchor="ctr"/>
           <a:lstStyle>
             <a:lvl1pPr algn="ctr">
-              <a:defRPr sz="283">
+              <a:defRPr sz="320">
                 <a:solidFill>
                   <a:schemeClr val="tx1">
                     <a:tint val="75000"/>
@@ -2634,8 +2632,8 @@
         </p:nvSpPr>
         <p:spPr>
           <a:xfrm>
-            <a:off x="2033806" y="1668542"/>
-            <a:ext cx="647938" cy="95845"/>
+            <a:off x="1937385" y="1695027"/>
+            <a:ext cx="617220" cy="97367"/>
           </a:xfrm>
           <a:prstGeom prst="rect">
             <a:avLst/>
@@ -2645,7 +2643,7 @@
           <a:bodyPr vert="horz" lIns="91440" tIns="45720" rIns="91440" bIns="45720" rtlCol="0" anchor="ctr"/>
           <a:lstStyle>
             <a:lvl1pPr algn="r">
-              <a:defRPr sz="283">
+              <a:defRPr sz="320">
                 <a:solidFill>
                   <a:schemeClr val="tx1">
                     <a:tint val="75000"/>
@@ -2666,27 +2664,27 @@
     </p:spTree>
     <p:extLst>
       <p:ext uri="{BB962C8B-B14F-4D97-AF65-F5344CB8AC3E}">
-        <p14:creationId xmlns:p14="http://schemas.microsoft.com/office/powerpoint/2010/main" val="2788760703"/>
+        <p14:creationId xmlns:p14="http://schemas.microsoft.com/office/powerpoint/2010/main" val="2258468199"/>
       </p:ext>
     </p:extLst>
   </p:cSld>
   <p:clrMap bg1="lt1" tx1="dk1" bg2="lt2" tx2="dk2" accent1="accent1" accent2="accent2" accent3="accent3" accent4="accent4" accent5="accent5" accent6="accent6" hlink="hlink" folHlink="folHlink"/>
   <p:sldLayoutIdLst>
-    <p:sldLayoutId id="2147483661" r:id="rId1"/>
-    <p:sldLayoutId id="2147483662" r:id="rId2"/>
-    <p:sldLayoutId id="2147483663" r:id="rId3"/>
-    <p:sldLayoutId id="2147483664" r:id="rId4"/>
-    <p:sldLayoutId id="2147483665" r:id="rId5"/>
-    <p:sldLayoutId id="2147483666" r:id="rId6"/>
-    <p:sldLayoutId id="2147483667" r:id="rId7"/>
-    <p:sldLayoutId id="2147483668" r:id="rId8"/>
-    <p:sldLayoutId id="2147483669" r:id="rId9"/>
-    <p:sldLayoutId id="2147483670" r:id="rId10"/>
-    <p:sldLayoutId id="2147483671" r:id="rId11"/>
+    <p:sldLayoutId id="2147483673" r:id="rId1"/>
+    <p:sldLayoutId id="2147483674" r:id="rId2"/>
+    <p:sldLayoutId id="2147483675" r:id="rId3"/>
+    <p:sldLayoutId id="2147483676" r:id="rId4"/>
+    <p:sldLayoutId id="2147483677" r:id="rId5"/>
+    <p:sldLayoutId id="2147483678" r:id="rId6"/>
+    <p:sldLayoutId id="2147483679" r:id="rId7"/>
+    <p:sldLayoutId id="2147483680" r:id="rId8"/>
+    <p:sldLayoutId id="2147483681" r:id="rId9"/>
+    <p:sldLayoutId id="2147483682" r:id="rId10"/>
+    <p:sldLayoutId id="2147483683" r:id="rId11"/>
   </p:sldLayoutIdLst>
   <p:txStyles>
     <p:titleStyle>
-      <a:lvl1pPr algn="l" defTabSz="215981" rtl="0" eaLnBrk="1" latinLnBrk="0" hangingPunct="1">
+      <a:lvl1pPr algn="l" defTabSz="243870" rtl="0" eaLnBrk="1" latinLnBrk="0" hangingPunct="1">
         <a:lnSpc>
           <a:spcPct val="90000"/>
         </a:lnSpc>
@@ -2694,7 +2692,7 @@
           <a:spcPct val="0"/>
         </a:spcBef>
         <a:buNone/>
-        <a:defRPr sz="1039" kern="1200">
+        <a:defRPr sz="1173" kern="1200">
           <a:solidFill>
             <a:schemeClr val="tx1"/>
           </a:solidFill>
@@ -2705,16 +2703,16 @@
       </a:lvl1pPr>
     </p:titleStyle>
     <p:bodyStyle>
-      <a:lvl1pPr marL="53995" indent="-53995" algn="l" defTabSz="215981" rtl="0" eaLnBrk="1" latinLnBrk="0" hangingPunct="1">
+      <a:lvl1pPr marL="60968" indent="-60968" algn="l" defTabSz="243870" rtl="0" eaLnBrk="1" latinLnBrk="0" hangingPunct="1">
         <a:lnSpc>
           <a:spcPct val="90000"/>
         </a:lnSpc>
         <a:spcBef>
-          <a:spcPts val="236"/>
+          <a:spcPts val="267"/>
         </a:spcBef>
         <a:buFont typeface="Arial" panose="020B0604020202020204" pitchFamily="34" charset="0"/>
         <a:buChar char="•"/>
-        <a:defRPr sz="661" kern="1200">
+        <a:defRPr sz="747" kern="1200">
           <a:solidFill>
             <a:schemeClr val="tx1"/>
           </a:solidFill>
@@ -2723,16 +2721,16 @@
           <a:cs typeface="+mn-cs"/>
         </a:defRPr>
       </a:lvl1pPr>
-      <a:lvl2pPr marL="161986" indent="-53995" algn="l" defTabSz="215981" rtl="0" eaLnBrk="1" latinLnBrk="0" hangingPunct="1">
+      <a:lvl2pPr marL="182903" indent="-60968" algn="l" defTabSz="243870" rtl="0" eaLnBrk="1" latinLnBrk="0" hangingPunct="1">
         <a:lnSpc>
           <a:spcPct val="90000"/>
         </a:lnSpc>
         <a:spcBef>
-          <a:spcPts val="118"/>
+          <a:spcPts val="133"/>
         </a:spcBef>
         <a:buFont typeface="Arial" panose="020B0604020202020204" pitchFamily="34" charset="0"/>
         <a:buChar char="•"/>
-        <a:defRPr sz="567" kern="1200">
+        <a:defRPr sz="640" kern="1200">
           <a:solidFill>
             <a:schemeClr val="tx1"/>
           </a:solidFill>
@@ -2741,16 +2739,16 @@
           <a:cs typeface="+mn-cs"/>
         </a:defRPr>
       </a:lvl2pPr>
-      <a:lvl3pPr marL="269977" indent="-53995" algn="l" defTabSz="215981" rtl="0" eaLnBrk="1" latinLnBrk="0" hangingPunct="1">
+      <a:lvl3pPr marL="304838" indent="-60968" algn="l" defTabSz="243870" rtl="0" eaLnBrk="1" latinLnBrk="0" hangingPunct="1">
         <a:lnSpc>
           <a:spcPct val="90000"/>
         </a:lnSpc>
         <a:spcBef>
-          <a:spcPts val="118"/>
+          <a:spcPts val="133"/>
         </a:spcBef>
         <a:buFont typeface="Arial" panose="020B0604020202020204" pitchFamily="34" charset="0"/>
         <a:buChar char="•"/>
-        <a:defRPr sz="472" kern="1200">
+        <a:defRPr sz="533" kern="1200">
           <a:solidFill>
             <a:schemeClr val="tx1"/>
           </a:solidFill>
@@ -2759,16 +2757,16 @@
           <a:cs typeface="+mn-cs"/>
         </a:defRPr>
       </a:lvl3pPr>
-      <a:lvl4pPr marL="377967" indent="-53995" algn="l" defTabSz="215981" rtl="0" eaLnBrk="1" latinLnBrk="0" hangingPunct="1">
+      <a:lvl4pPr marL="426773" indent="-60968" algn="l" defTabSz="243870" rtl="0" eaLnBrk="1" latinLnBrk="0" hangingPunct="1">
         <a:lnSpc>
           <a:spcPct val="90000"/>
         </a:lnSpc>
         <a:spcBef>
-          <a:spcPts val="118"/>
+          <a:spcPts val="133"/>
         </a:spcBef>
         <a:buFont typeface="Arial" panose="020B0604020202020204" pitchFamily="34" charset="0"/>
         <a:buChar char="•"/>
-        <a:defRPr sz="425" kern="1200">
+        <a:defRPr sz="480" kern="1200">
           <a:solidFill>
             <a:schemeClr val="tx1"/>
           </a:solidFill>
@@ -2777,16 +2775,16 @@
           <a:cs typeface="+mn-cs"/>
         </a:defRPr>
       </a:lvl4pPr>
-      <a:lvl5pPr marL="485958" indent="-53995" algn="l" defTabSz="215981" rtl="0" eaLnBrk="1" latinLnBrk="0" hangingPunct="1">
+      <a:lvl5pPr marL="548709" indent="-60968" algn="l" defTabSz="243870" rtl="0" eaLnBrk="1" latinLnBrk="0" hangingPunct="1">
         <a:lnSpc>
           <a:spcPct val="90000"/>
         </a:lnSpc>
         <a:spcBef>
-          <a:spcPts val="118"/>
+          <a:spcPts val="133"/>
         </a:spcBef>
         <a:buFont typeface="Arial" panose="020B0604020202020204" pitchFamily="34" charset="0"/>
         <a:buChar char="•"/>
-        <a:defRPr sz="425" kern="1200">
+        <a:defRPr sz="480" kern="1200">
           <a:solidFill>
             <a:schemeClr val="tx1"/>
           </a:solidFill>
@@ -2795,16 +2793,16 @@
           <a:cs typeface="+mn-cs"/>
         </a:defRPr>
       </a:lvl5pPr>
-      <a:lvl6pPr marL="593949" indent="-53995" algn="l" defTabSz="215981" rtl="0" eaLnBrk="1" latinLnBrk="0" hangingPunct="1">
+      <a:lvl6pPr marL="670644" indent="-60968" algn="l" defTabSz="243870" rtl="0" eaLnBrk="1" latinLnBrk="0" hangingPunct="1">
         <a:lnSpc>
           <a:spcPct val="90000"/>
         </a:lnSpc>
         <a:spcBef>
-          <a:spcPts val="118"/>
+          <a:spcPts val="133"/>
         </a:spcBef>
         <a:buFont typeface="Arial" panose="020B0604020202020204" pitchFamily="34" charset="0"/>
         <a:buChar char="•"/>
-        <a:defRPr sz="425" kern="1200">
+        <a:defRPr sz="480" kern="1200">
           <a:solidFill>
             <a:schemeClr val="tx1"/>
           </a:solidFill>
@@ -2813,16 +2811,16 @@
           <a:cs typeface="+mn-cs"/>
         </a:defRPr>
       </a:lvl6pPr>
-      <a:lvl7pPr marL="701939" indent="-53995" algn="l" defTabSz="215981" rtl="0" eaLnBrk="1" latinLnBrk="0" hangingPunct="1">
+      <a:lvl7pPr marL="792579" indent="-60968" algn="l" defTabSz="243870" rtl="0" eaLnBrk="1" latinLnBrk="0" hangingPunct="1">
         <a:lnSpc>
           <a:spcPct val="90000"/>
         </a:lnSpc>
         <a:spcBef>
-          <a:spcPts val="118"/>
+          <a:spcPts val="133"/>
         </a:spcBef>
         <a:buFont typeface="Arial" panose="020B0604020202020204" pitchFamily="34" charset="0"/>
         <a:buChar char="•"/>
-        <a:defRPr sz="425" kern="1200">
+        <a:defRPr sz="480" kern="1200">
           <a:solidFill>
             <a:schemeClr val="tx1"/>
           </a:solidFill>
@@ -2831,16 +2829,16 @@
           <a:cs typeface="+mn-cs"/>
         </a:defRPr>
       </a:lvl7pPr>
-      <a:lvl8pPr marL="809930" indent="-53995" algn="l" defTabSz="215981" rtl="0" eaLnBrk="1" latinLnBrk="0" hangingPunct="1">
+      <a:lvl8pPr marL="914514" indent="-60968" algn="l" defTabSz="243870" rtl="0" eaLnBrk="1" latinLnBrk="0" hangingPunct="1">
         <a:lnSpc>
           <a:spcPct val="90000"/>
         </a:lnSpc>
         <a:spcBef>
-          <a:spcPts val="118"/>
+          <a:spcPts val="133"/>
         </a:spcBef>
         <a:buFont typeface="Arial" panose="020B0604020202020204" pitchFamily="34" charset="0"/>
         <a:buChar char="•"/>
-        <a:defRPr sz="425" kern="1200">
+        <a:defRPr sz="480" kern="1200">
           <a:solidFill>
             <a:schemeClr val="tx1"/>
           </a:solidFill>
@@ -2849,16 +2847,16 @@
           <a:cs typeface="+mn-cs"/>
         </a:defRPr>
       </a:lvl8pPr>
-      <a:lvl9pPr marL="917920" indent="-53995" algn="l" defTabSz="215981" rtl="0" eaLnBrk="1" latinLnBrk="0" hangingPunct="1">
+      <a:lvl9pPr marL="1036450" indent="-60968" algn="l" defTabSz="243870" rtl="0" eaLnBrk="1" latinLnBrk="0" hangingPunct="1">
         <a:lnSpc>
           <a:spcPct val="90000"/>
         </a:lnSpc>
         <a:spcBef>
-          <a:spcPts val="118"/>
+          <a:spcPts val="133"/>
         </a:spcBef>
         <a:buFont typeface="Arial" panose="020B0604020202020204" pitchFamily="34" charset="0"/>
         <a:buChar char="•"/>
-        <a:defRPr sz="425" kern="1200">
+        <a:defRPr sz="480" kern="1200">
           <a:solidFill>
             <a:schemeClr val="tx1"/>
           </a:solidFill>
@@ -2872,8 +2870,8 @@
       <a:defPPr>
         <a:defRPr lang="en-US"/>
       </a:defPPr>
-      <a:lvl1pPr marL="0" algn="l" defTabSz="215981" rtl="0" eaLnBrk="1" latinLnBrk="0" hangingPunct="1">
-        <a:defRPr sz="425" kern="1200">
+      <a:lvl1pPr marL="0" algn="l" defTabSz="243870" rtl="0" eaLnBrk="1" latinLnBrk="0" hangingPunct="1">
+        <a:defRPr sz="480" kern="1200">
           <a:solidFill>
             <a:schemeClr val="tx1"/>
           </a:solidFill>
@@ -2882,8 +2880,8 @@
           <a:cs typeface="+mn-cs"/>
         </a:defRPr>
       </a:lvl1pPr>
-      <a:lvl2pPr marL="107991" algn="l" defTabSz="215981" rtl="0" eaLnBrk="1" latinLnBrk="0" hangingPunct="1">
-        <a:defRPr sz="425" kern="1200">
+      <a:lvl2pPr marL="121935" algn="l" defTabSz="243870" rtl="0" eaLnBrk="1" latinLnBrk="0" hangingPunct="1">
+        <a:defRPr sz="480" kern="1200">
           <a:solidFill>
             <a:schemeClr val="tx1"/>
           </a:solidFill>
@@ -2892,8 +2890,8 @@
           <a:cs typeface="+mn-cs"/>
         </a:defRPr>
       </a:lvl2pPr>
-      <a:lvl3pPr marL="215981" algn="l" defTabSz="215981" rtl="0" eaLnBrk="1" latinLnBrk="0" hangingPunct="1">
-        <a:defRPr sz="425" kern="1200">
+      <a:lvl3pPr marL="243870" algn="l" defTabSz="243870" rtl="0" eaLnBrk="1" latinLnBrk="0" hangingPunct="1">
+        <a:defRPr sz="480" kern="1200">
           <a:solidFill>
             <a:schemeClr val="tx1"/>
           </a:solidFill>
@@ -2902,8 +2900,8 @@
           <a:cs typeface="+mn-cs"/>
         </a:defRPr>
       </a:lvl3pPr>
-      <a:lvl4pPr marL="323972" algn="l" defTabSz="215981" rtl="0" eaLnBrk="1" latinLnBrk="0" hangingPunct="1">
-        <a:defRPr sz="425" kern="1200">
+      <a:lvl4pPr marL="365806" algn="l" defTabSz="243870" rtl="0" eaLnBrk="1" latinLnBrk="0" hangingPunct="1">
+        <a:defRPr sz="480" kern="1200">
           <a:solidFill>
             <a:schemeClr val="tx1"/>
           </a:solidFill>
@@ -2912,8 +2910,8 @@
           <a:cs typeface="+mn-cs"/>
         </a:defRPr>
       </a:lvl4pPr>
-      <a:lvl5pPr marL="431963" algn="l" defTabSz="215981" rtl="0" eaLnBrk="1" latinLnBrk="0" hangingPunct="1">
-        <a:defRPr sz="425" kern="1200">
+      <a:lvl5pPr marL="487741" algn="l" defTabSz="243870" rtl="0" eaLnBrk="1" latinLnBrk="0" hangingPunct="1">
+        <a:defRPr sz="480" kern="1200">
           <a:solidFill>
             <a:schemeClr val="tx1"/>
           </a:solidFill>
@@ -2922,8 +2920,8 @@
           <a:cs typeface="+mn-cs"/>
         </a:defRPr>
       </a:lvl5pPr>
-      <a:lvl6pPr marL="539953" algn="l" defTabSz="215981" rtl="0" eaLnBrk="1" latinLnBrk="0" hangingPunct="1">
-        <a:defRPr sz="425" kern="1200">
+      <a:lvl6pPr marL="609676" algn="l" defTabSz="243870" rtl="0" eaLnBrk="1" latinLnBrk="0" hangingPunct="1">
+        <a:defRPr sz="480" kern="1200">
           <a:solidFill>
             <a:schemeClr val="tx1"/>
           </a:solidFill>
@@ -2932,8 +2930,8 @@
           <a:cs typeface="+mn-cs"/>
         </a:defRPr>
       </a:lvl6pPr>
-      <a:lvl7pPr marL="647944" algn="l" defTabSz="215981" rtl="0" eaLnBrk="1" latinLnBrk="0" hangingPunct="1">
-        <a:defRPr sz="425" kern="1200">
+      <a:lvl7pPr marL="731611" algn="l" defTabSz="243870" rtl="0" eaLnBrk="1" latinLnBrk="0" hangingPunct="1">
+        <a:defRPr sz="480" kern="1200">
           <a:solidFill>
             <a:schemeClr val="tx1"/>
           </a:solidFill>
@@ -2942,8 +2940,8 @@
           <a:cs typeface="+mn-cs"/>
         </a:defRPr>
       </a:lvl7pPr>
-      <a:lvl8pPr marL="755934" algn="l" defTabSz="215981" rtl="0" eaLnBrk="1" latinLnBrk="0" hangingPunct="1">
-        <a:defRPr sz="425" kern="1200">
+      <a:lvl8pPr marL="853547" algn="l" defTabSz="243870" rtl="0" eaLnBrk="1" latinLnBrk="0" hangingPunct="1">
+        <a:defRPr sz="480" kern="1200">
           <a:solidFill>
             <a:schemeClr val="tx1"/>
           </a:solidFill>
@@ -2952,8 +2950,8 @@
           <a:cs typeface="+mn-cs"/>
         </a:defRPr>
       </a:lvl8pPr>
-      <a:lvl9pPr marL="863925" algn="l" defTabSz="215981" rtl="0" eaLnBrk="1" latinLnBrk="0" hangingPunct="1">
-        <a:defRPr sz="425" kern="1200">
+      <a:lvl9pPr marL="975482" algn="l" defTabSz="243870" rtl="0" eaLnBrk="1" latinLnBrk="0" hangingPunct="1">
+        <a:defRPr sz="480" kern="1200">
           <a:solidFill>
             <a:schemeClr val="tx1"/>
           </a:solidFill>
@@ -2984,489 +2982,462 @@
           <a:chExt cx="0" cy="0"/>
         </a:xfrm>
       </p:grpSpPr>
-      <p:grpSp>
-        <p:nvGrpSpPr>
-          <p:cNvPr id="3" name="Group 2"/>
-          <p:cNvGrpSpPr/>
+      <p:pic>
+        <p:nvPicPr>
+          <p:cNvPr id="16" name="Picture 15"/>
+          <p:cNvPicPr>
+            <a:picLocks noChangeAspect="1"/>
+          </p:cNvPicPr>
           <p:nvPr/>
-        </p:nvGrpSpPr>
-        <p:grpSpPr>
+        </p:nvPicPr>
+        <p:blipFill rotWithShape="1">
+          <a:blip r:embed="rId2"/>
+          <a:srcRect l="8453"/>
+          <a:stretch/>
+        </p:blipFill>
+        <p:spPr>
           <a:xfrm>
-            <a:off x="-113820" y="0"/>
-            <a:ext cx="3113022" cy="1757363"/>
-            <a:chOff x="-113820" y="0"/>
-            <a:chExt cx="3113022" cy="1757363"/>
+            <a:off x="176840" y="35719"/>
+            <a:ext cx="2437180" cy="1685926"/>
           </a:xfrm>
-        </p:grpSpPr>
-        <p:pic>
-          <p:nvPicPr>
-            <p:cNvPr id="2" name="Picture 1"/>
-            <p:cNvPicPr>
-              <a:picLocks noChangeAspect="1"/>
-            </p:cNvPicPr>
-            <p:nvPr/>
-          </p:nvPicPr>
-          <p:blipFill rotWithShape="1">
-            <a:blip r:embed="rId2"/>
-            <a:srcRect l="8453"/>
-            <a:stretch/>
-          </p:blipFill>
-          <p:spPr>
-            <a:xfrm>
-              <a:off x="191879" y="0"/>
-              <a:ext cx="2540451" cy="1757363"/>
-            </a:xfrm>
-            <a:prstGeom prst="rect">
-              <a:avLst/>
-            </a:prstGeom>
-          </p:spPr>
-        </p:pic>
-        <p:grpSp>
-          <p:nvGrpSpPr>
-            <p:cNvPr id="39" name="Group 38"/>
-            <p:cNvGrpSpPr/>
-            <p:nvPr/>
-          </p:nvGrpSpPr>
-          <p:grpSpPr>
-            <a:xfrm>
-              <a:off x="1802188" y="1141550"/>
-              <a:ext cx="1042074" cy="539666"/>
-              <a:chOff x="1755743" y="920932"/>
-              <a:chExt cx="1042074" cy="539666"/>
-            </a:xfrm>
-          </p:grpSpPr>
-          <p:cxnSp>
-            <p:nvCxnSpPr>
-              <p:cNvPr id="7" name="Straight Arrow Connector 6"/>
-              <p:cNvCxnSpPr/>
-              <p:nvPr/>
-            </p:nvCxnSpPr>
-            <p:spPr>
-              <a:xfrm flipH="1" flipV="1">
-                <a:off x="2259285" y="1081029"/>
-                <a:ext cx="2381" cy="266700"/>
-              </a:xfrm>
-              <a:prstGeom prst="straightConnector1">
-                <a:avLst/>
-              </a:prstGeom>
-              <a:ln>
-                <a:tailEnd type="triangle"/>
-              </a:ln>
-            </p:spPr>
-            <p:style>
-              <a:lnRef idx="1">
-                <a:schemeClr val="dk1"/>
-              </a:lnRef>
-              <a:fillRef idx="0">
-                <a:schemeClr val="dk1"/>
-              </a:fillRef>
-              <a:effectRef idx="0">
-                <a:schemeClr val="dk1"/>
-              </a:effectRef>
-              <a:fontRef idx="minor">
-                <a:schemeClr val="tx1"/>
-              </a:fontRef>
-            </p:style>
-          </p:cxnSp>
-          <p:cxnSp>
-            <p:nvCxnSpPr>
-              <p:cNvPr id="12" name="Straight Arrow Connector 11"/>
-              <p:cNvCxnSpPr/>
-              <p:nvPr/>
-            </p:nvCxnSpPr>
-            <p:spPr>
-              <a:xfrm flipH="1">
-                <a:off x="2078310" y="1356062"/>
-                <a:ext cx="180975" cy="59531"/>
-              </a:xfrm>
-              <a:prstGeom prst="straightConnector1">
-                <a:avLst/>
-              </a:prstGeom>
-              <a:ln>
-                <a:tailEnd type="triangle"/>
-              </a:ln>
-            </p:spPr>
-            <p:style>
-              <a:lnRef idx="1">
-                <a:schemeClr val="dk1"/>
-              </a:lnRef>
-              <a:fillRef idx="0">
-                <a:schemeClr val="dk1"/>
-              </a:fillRef>
-              <a:effectRef idx="0">
-                <a:schemeClr val="dk1"/>
-              </a:effectRef>
-              <a:fontRef idx="minor">
-                <a:schemeClr val="tx1"/>
-              </a:fontRef>
-            </p:style>
-          </p:cxnSp>
-          <p:cxnSp>
-            <p:nvCxnSpPr>
-              <p:cNvPr id="26" name="Straight Arrow Connector 25"/>
-              <p:cNvCxnSpPr/>
-              <p:nvPr/>
-            </p:nvCxnSpPr>
-            <p:spPr>
-              <a:xfrm>
-                <a:off x="2261666" y="1354872"/>
-                <a:ext cx="219075" cy="50006"/>
-              </a:xfrm>
-              <a:prstGeom prst="straightConnector1">
-                <a:avLst/>
-              </a:prstGeom>
-              <a:ln>
-                <a:tailEnd type="triangle"/>
-              </a:ln>
-            </p:spPr>
-            <p:style>
-              <a:lnRef idx="1">
-                <a:schemeClr val="dk1"/>
-              </a:lnRef>
-              <a:fillRef idx="0">
-                <a:schemeClr val="dk1"/>
-              </a:fillRef>
-              <a:effectRef idx="0">
-                <a:schemeClr val="dk1"/>
-              </a:effectRef>
-              <a:fontRef idx="minor">
-                <a:schemeClr val="tx1"/>
-              </a:fontRef>
-            </p:style>
-          </p:cxnSp>
+          <a:prstGeom prst="rect">
+            <a:avLst/>
+          </a:prstGeom>
+        </p:spPr>
+      </p:pic>
+      <p:cxnSp>
+        <p:nvCxnSpPr>
+          <p:cNvPr id="18" name="Straight Arrow Connector 17"/>
+          <p:cNvCxnSpPr/>
+          <p:nvPr/>
+        </p:nvCxnSpPr>
+        <p:spPr>
+          <a:xfrm flipH="1" flipV="1">
+            <a:off x="2239055" y="1335507"/>
+            <a:ext cx="2382" cy="232840"/>
+          </a:xfrm>
+          <a:prstGeom prst="straightConnector1">
+            <a:avLst/>
+          </a:prstGeom>
+          <a:ln>
+            <a:headEnd w="sm" len="sm"/>
+            <a:tailEnd type="triangle" w="sm" len="sm"/>
+          </a:ln>
+        </p:spPr>
+        <p:style>
+          <a:lnRef idx="1">
+            <a:schemeClr val="dk1"/>
+          </a:lnRef>
+          <a:fillRef idx="0">
+            <a:schemeClr val="dk1"/>
+          </a:fillRef>
+          <a:effectRef idx="0">
+            <a:schemeClr val="dk1"/>
+          </a:effectRef>
+          <a:fontRef idx="minor">
+            <a:schemeClr val="tx1"/>
+          </a:fontRef>
+        </p:style>
+      </p:cxnSp>
+      <p:cxnSp>
+        <p:nvCxnSpPr>
+          <p:cNvPr id="19" name="Straight Arrow Connector 18"/>
+          <p:cNvCxnSpPr/>
+          <p:nvPr/>
+        </p:nvCxnSpPr>
+        <p:spPr>
+          <a:xfrm flipH="1">
+            <a:off x="2058080" y="1576680"/>
+            <a:ext cx="180975" cy="59531"/>
+          </a:xfrm>
+          <a:prstGeom prst="straightConnector1">
+            <a:avLst/>
+          </a:prstGeom>
+          <a:ln>
+            <a:headEnd w="sm" len="sm"/>
+            <a:tailEnd type="triangle" w="sm" len="sm"/>
+          </a:ln>
+        </p:spPr>
+        <p:style>
+          <a:lnRef idx="1">
+            <a:schemeClr val="dk1"/>
+          </a:lnRef>
+          <a:fillRef idx="0">
+            <a:schemeClr val="dk1"/>
+          </a:fillRef>
+          <a:effectRef idx="0">
+            <a:schemeClr val="dk1"/>
+          </a:effectRef>
+          <a:fontRef idx="minor">
+            <a:schemeClr val="tx1"/>
+          </a:fontRef>
+        </p:style>
+      </p:cxnSp>
+      <p:sp>
+        <p:nvSpPr>
+          <p:cNvPr id="21" name="TextBox 20"/>
+          <p:cNvSpPr txBox="1"/>
+          <p:nvPr/>
+        </p:nvSpPr>
+        <p:spPr>
+          <a:xfrm>
+            <a:off x="2078377" y="1146491"/>
+            <a:ext cx="321356" cy="230832"/>
+          </a:xfrm>
+          <a:prstGeom prst="rect">
+            <a:avLst/>
+          </a:prstGeom>
+          <a:noFill/>
+        </p:spPr>
+        <p:txBody>
+          <a:bodyPr wrap="square" rtlCol="0">
+            <a:spAutoFit/>
+          </a:bodyPr>
+          <a:lstStyle/>
+          <a:p>
+            <a:pPr algn="ctr"/>
+            <a:r>
+              <a:rPr lang="en-US" sz="900" dirty="0" smtClean="0">
+                <a:latin typeface="Times" pitchFamily="18" charset="0"/>
+              </a:rPr>
+              <a:t>SI</a:t>
+            </a:r>
+            <a:endParaRPr lang="en-US" sz="900" dirty="0">
+              <a:latin typeface="Times" pitchFamily="18" charset="0"/>
+            </a:endParaRPr>
+          </a:p>
+        </p:txBody>
+      </p:sp>
+      <p:sp>
+        <p:nvSpPr>
+          <p:cNvPr id="22" name="TextBox 21"/>
+          <p:cNvSpPr txBox="1"/>
+          <p:nvPr/>
+        </p:nvSpPr>
+        <p:spPr>
+          <a:xfrm>
+            <a:off x="2328754" y="1536822"/>
+            <a:ext cx="363527" cy="230832"/>
+          </a:xfrm>
+          <a:prstGeom prst="rect">
+            <a:avLst/>
+          </a:prstGeom>
+          <a:noFill/>
+        </p:spPr>
+        <p:txBody>
+          <a:bodyPr wrap="square" rtlCol="0">
+            <a:spAutoFit/>
+          </a:bodyPr>
+          <a:lstStyle/>
+          <a:p>
+            <a:pPr algn="ctr"/>
+            <a:r>
+              <a:rPr lang="en-US" sz="900" dirty="0" smtClean="0">
+                <a:latin typeface="Times" pitchFamily="18" charset="0"/>
+              </a:rPr>
+              <a:t>AP</a:t>
+            </a:r>
+            <a:endParaRPr lang="en-US" sz="900" dirty="0">
+              <a:latin typeface="Times" pitchFamily="18" charset="0"/>
+            </a:endParaRPr>
+          </a:p>
+        </p:txBody>
+      </p:sp>
+      <p:sp>
+        <p:nvSpPr>
+          <p:cNvPr id="23" name="TextBox 22"/>
+          <p:cNvSpPr txBox="1"/>
+          <p:nvPr/>
+        </p:nvSpPr>
+        <p:spPr>
+          <a:xfrm>
+            <a:off x="1762206" y="1536822"/>
+            <a:ext cx="386361" cy="230832"/>
+          </a:xfrm>
+          <a:prstGeom prst="rect">
+            <a:avLst/>
+          </a:prstGeom>
+          <a:noFill/>
+        </p:spPr>
+        <p:txBody>
+          <a:bodyPr wrap="square" rtlCol="0">
+            <a:spAutoFit/>
+          </a:bodyPr>
+          <a:lstStyle/>
+          <a:p>
+            <a:pPr algn="ctr"/>
+            <a:r>
+              <a:rPr lang="en-US" sz="900" dirty="0" smtClean="0">
+                <a:latin typeface="Times" pitchFamily="18" charset="0"/>
+              </a:rPr>
+              <a:t>ML</a:t>
+            </a:r>
+            <a:endParaRPr lang="en-US" sz="900" dirty="0">
+              <a:latin typeface="Times" pitchFamily="18" charset="0"/>
+            </a:endParaRPr>
+          </a:p>
+        </p:txBody>
+      </p:sp>
+      <mc:AlternateContent xmlns:mc="http://schemas.openxmlformats.org/markup-compatibility/2006">
+        <mc:Choice xmlns:a14="http://schemas.microsoft.com/office/drawing/2010/main" Requires="a14">
           <p:sp>
             <p:nvSpPr>
-              <p:cNvPr id="36" name="TextBox 35"/>
-              <p:cNvSpPr txBox="1"/>
+              <p:cNvPr id="24" name="Rectangle 23"/>
+              <p:cNvSpPr/>
               <p:nvPr/>
             </p:nvSpPr>
             <p:spPr>
               <a:xfrm>
-                <a:off x="2201147" y="920932"/>
-                <a:ext cx="321356" cy="246221"/>
+                <a:off x="-82856" y="1070271"/>
+                <a:ext cx="402418" cy="240130"/>
               </a:xfrm>
               <a:prstGeom prst="rect">
                 <a:avLst/>
               </a:prstGeom>
-              <a:noFill/>
             </p:spPr>
             <p:txBody>
-              <a:bodyPr wrap="square" rtlCol="0">
+              <a:bodyPr wrap="none">
                 <a:spAutoFit/>
               </a:bodyPr>
               <a:lstStyle/>
               <a:p>
-                <a:pPr algn="ctr"/>
-                <a:r>
-                  <a:rPr lang="en-US" sz="1000" dirty="0" smtClean="0">
-                    <a:latin typeface="Times" pitchFamily="18" charset="0"/>
-                  </a:rPr>
-                  <a:t>SI</a:t>
-                </a:r>
-                <a:endParaRPr lang="en-US" sz="1000" dirty="0">
-                  <a:latin typeface="Times" pitchFamily="18" charset="0"/>
-                </a:endParaRPr>
+                <a:pPr/>
+                <a14:m>
+                  <m:oMathPara xmlns:m="http://schemas.openxmlformats.org/officeDocument/2006/math">
+                    <m:oMathParaPr>
+                      <m:jc m:val="centerGroup"/>
+                    </m:oMathParaPr>
+                    <m:oMath xmlns:m="http://schemas.openxmlformats.org/officeDocument/2006/math">
+                      <m:sSup>
+                        <m:sSupPr>
+                          <m:ctrlPr>
+                            <a:rPr lang="en-US" sz="900" i="1">
+                              <a:latin typeface="Cambria Math" panose="02040503050406030204" pitchFamily="18" charset="0"/>
+                            </a:rPr>
+                          </m:ctrlPr>
+                        </m:sSupPr>
+                        <m:e>
+                          <m:r>
+                            <a:rPr lang="en-US" sz="900" i="1">
+                              <a:latin typeface="Cambria Math" panose="02040503050406030204" pitchFamily="18" charset="0"/>
+                            </a:rPr>
+                            <m:t>𝑣</m:t>
+                          </m:r>
+                        </m:e>
+                        <m:sup>
+                          <m:d>
+                            <m:dPr>
+                              <m:ctrlPr>
+                                <a:rPr lang="en-US" sz="900" i="1">
+                                  <a:latin typeface="Cambria Math" panose="02040503050406030204" pitchFamily="18" charset="0"/>
+                                </a:rPr>
+                              </m:ctrlPr>
+                            </m:dPr>
+                            <m:e>
+                              <m:r>
+                                <a:rPr lang="en-US" sz="900" i="0">
+                                  <a:latin typeface="Cambria Math" panose="02040503050406030204" pitchFamily="18" charset="0"/>
+                                </a:rPr>
+                                <m:t>1</m:t>
+                              </m:r>
+                            </m:e>
+                          </m:d>
+                        </m:sup>
+                      </m:sSup>
+                    </m:oMath>
+                  </m:oMathPara>
+                </a14:m>
+                <a:endParaRPr lang="en-US" sz="900" dirty="0"/>
               </a:p>
             </p:txBody>
           </p:sp>
+        </mc:Choice>
+        <mc:Fallback>
           <p:sp>
             <p:nvSpPr>
-              <p:cNvPr id="37" name="TextBox 36"/>
-              <p:cNvSpPr txBox="1"/>
+              <p:cNvPr id="24" name="Rectangle 23"/>
+              <p:cNvSpPr>
+                <a:spLocks noRot="1" noChangeAspect="1" noMove="1" noResize="1" noEditPoints="1" noAdjustHandles="1" noChangeArrowheads="1" noChangeShapeType="1" noTextEdit="1"/>
+              </p:cNvSpPr>
               <p:nvPr/>
             </p:nvSpPr>
             <p:spPr>
               <a:xfrm>
-                <a:off x="2434290" y="1214376"/>
-                <a:ext cx="363527" cy="246221"/>
+                <a:off x="-82856" y="1070271"/>
+                <a:ext cx="402418" cy="240130"/>
               </a:xfrm>
               <a:prstGeom prst="rect">
                 <a:avLst/>
               </a:prstGeom>
-              <a:noFill/>
+              <a:blipFill rotWithShape="0">
+                <a:blip r:embed="rId3"/>
+                <a:stretch>
+                  <a:fillRect/>
+                </a:stretch>
+              </a:blipFill>
             </p:spPr>
             <p:txBody>
-              <a:bodyPr wrap="square" rtlCol="0">
+              <a:bodyPr/>
+              <a:lstStyle/>
+              <a:p>
+                <a:r>
+                  <a:rPr lang="en-US">
+                    <a:noFill/>
+                  </a:rPr>
+                  <a:t> </a:t>
+                </a:r>
+              </a:p>
+            </p:txBody>
+          </p:sp>
+        </mc:Fallback>
+      </mc:AlternateContent>
+      <mc:AlternateContent xmlns:mc="http://schemas.openxmlformats.org/markup-compatibility/2006">
+        <mc:Choice xmlns:a14="http://schemas.microsoft.com/office/drawing/2010/main" Requires="a14">
+          <p:sp>
+            <p:nvSpPr>
+              <p:cNvPr id="25" name="Rectangle 24"/>
+              <p:cNvSpPr/>
+              <p:nvPr/>
+            </p:nvSpPr>
+            <p:spPr>
+              <a:xfrm>
+                <a:off x="2420030" y="426076"/>
+                <a:ext cx="402418" cy="240130"/>
+              </a:xfrm>
+              <a:prstGeom prst="rect">
+                <a:avLst/>
+              </a:prstGeom>
+            </p:spPr>
+            <p:txBody>
+              <a:bodyPr wrap="none">
                 <a:spAutoFit/>
               </a:bodyPr>
               <a:lstStyle/>
               <a:p>
-                <a:pPr algn="ctr"/>
-                <a:r>
-                  <a:rPr lang="en-US" sz="1000" dirty="0" smtClean="0">
-                    <a:latin typeface="Times" pitchFamily="18" charset="0"/>
-                  </a:rPr>
-                  <a:t>AP</a:t>
-                </a:r>
-                <a:endParaRPr lang="en-US" sz="1000" dirty="0">
-                  <a:latin typeface="Times" pitchFamily="18" charset="0"/>
-                </a:endParaRPr>
+                <a:pPr/>
+                <a14:m>
+                  <m:oMathPara xmlns:m="http://schemas.openxmlformats.org/officeDocument/2006/math">
+                    <m:oMathParaPr>
+                      <m:jc m:val="centerGroup"/>
+                    </m:oMathParaPr>
+                    <m:oMath xmlns:m="http://schemas.openxmlformats.org/officeDocument/2006/math">
+                      <m:sSup>
+                        <m:sSupPr>
+                          <m:ctrlPr>
+                            <a:rPr lang="en-US" sz="900" i="1" smtClean="0">
+                              <a:latin typeface="Cambria Math" panose="02040503050406030204" pitchFamily="18" charset="0"/>
+                            </a:rPr>
+                          </m:ctrlPr>
+                        </m:sSupPr>
+                        <m:e>
+                          <m:r>
+                            <a:rPr lang="en-US" sz="900" i="1">
+                              <a:latin typeface="Cambria Math" panose="02040503050406030204" pitchFamily="18" charset="0"/>
+                            </a:rPr>
+                            <m:t>𝑣</m:t>
+                          </m:r>
+                        </m:e>
+                        <m:sup>
+                          <m:d>
+                            <m:dPr>
+                              <m:ctrlPr>
+                                <a:rPr lang="en-US" sz="900" i="1">
+                                  <a:latin typeface="Cambria Math" panose="02040503050406030204" pitchFamily="18" charset="0"/>
+                                </a:rPr>
+                              </m:ctrlPr>
+                            </m:dPr>
+                            <m:e>
+                              <m:r>
+                                <a:rPr lang="en-US" sz="900" b="0" i="0" smtClean="0">
+                                  <a:latin typeface="Cambria Math" panose="02040503050406030204" pitchFamily="18" charset="0"/>
+                                </a:rPr>
+                                <m:t>2</m:t>
+                              </m:r>
+                            </m:e>
+                          </m:d>
+                        </m:sup>
+                      </m:sSup>
+                    </m:oMath>
+                  </m:oMathPara>
+                </a14:m>
+                <a:endParaRPr lang="en-US" sz="900" dirty="0"/>
               </a:p>
             </p:txBody>
           </p:sp>
+        </mc:Choice>
+        <mc:Fallback>
           <p:sp>
             <p:nvSpPr>
-              <p:cNvPr id="38" name="TextBox 37"/>
-              <p:cNvSpPr txBox="1"/>
+              <p:cNvPr id="25" name="Rectangle 24"/>
+              <p:cNvSpPr>
+                <a:spLocks noRot="1" noChangeAspect="1" noMove="1" noResize="1" noEditPoints="1" noAdjustHandles="1" noChangeArrowheads="1" noChangeShapeType="1" noTextEdit="1"/>
+              </p:cNvSpPr>
               <p:nvPr/>
             </p:nvSpPr>
             <p:spPr>
               <a:xfrm>
-                <a:off x="1755743" y="1214377"/>
-                <a:ext cx="386361" cy="246221"/>
+                <a:off x="2420030" y="426076"/>
+                <a:ext cx="402418" cy="240130"/>
               </a:xfrm>
               <a:prstGeom prst="rect">
                 <a:avLst/>
               </a:prstGeom>
-              <a:noFill/>
+              <a:blipFill rotWithShape="0">
+                <a:blip r:embed="rId4"/>
+                <a:stretch>
+                  <a:fillRect/>
+                </a:stretch>
+              </a:blipFill>
             </p:spPr>
             <p:txBody>
-              <a:bodyPr wrap="square" rtlCol="0">
-                <a:spAutoFit/>
-              </a:bodyPr>
+              <a:bodyPr/>
               <a:lstStyle/>
               <a:p>
-                <a:pPr algn="ctr"/>
                 <a:r>
-                  <a:rPr lang="en-US" sz="1000" dirty="0" smtClean="0">
-                    <a:latin typeface="Times" pitchFamily="18" charset="0"/>
+                  <a:rPr lang="en-US">
+                    <a:noFill/>
                   </a:rPr>
-                  <a:t>ML</a:t>
+                  <a:t> </a:t>
                 </a:r>
-                <a:endParaRPr lang="en-US" sz="1000" dirty="0">
-                  <a:latin typeface="Times" pitchFamily="18" charset="0"/>
-                </a:endParaRPr>
               </a:p>
             </p:txBody>
           </p:sp>
-        </p:grpSp>
-        <mc:AlternateContent xmlns:mc="http://schemas.openxmlformats.org/markup-compatibility/2006" xmlns:a14="http://schemas.microsoft.com/office/drawing/2010/main">
-          <mc:Choice Requires="a14">
-            <p:sp>
-              <p:nvSpPr>
-                <p:cNvPr id="4" name="Rectangle 3"/>
-                <p:cNvSpPr/>
-                <p:nvPr/>
-              </p:nvSpPr>
-              <p:spPr>
-                <a:xfrm>
-                  <a:off x="-113820" y="1098268"/>
-                  <a:ext cx="477631" cy="289503"/>
-                </a:xfrm>
-                <a:prstGeom prst="rect">
-                  <a:avLst/>
-                </a:prstGeom>
-              </p:spPr>
-              <p:txBody>
-                <a:bodyPr wrap="none">
-                  <a:spAutoFit/>
-                </a:bodyPr>
-                <a:lstStyle/>
-                <a:p>
-                  <a:pPr/>
-                  <a14:m>
-                    <m:oMathPara xmlns:m="http://schemas.openxmlformats.org/officeDocument/2006/math">
-                      <m:oMathParaPr>
-                        <m:jc m:val="centerGroup"/>
-                      </m:oMathParaPr>
-                      <m:oMath xmlns:m="http://schemas.openxmlformats.org/officeDocument/2006/math">
-                        <m:sSup>
-                          <m:sSupPr>
-                            <m:ctrlPr>
-                              <a:rPr lang="en-US" sz="1200" i="1">
-                                <a:latin typeface="Cambria Math" panose="02040503050406030204" pitchFamily="18" charset="0"/>
-                              </a:rPr>
-                            </m:ctrlPr>
-                          </m:sSupPr>
-                          <m:e>
-                            <m:r>
-                              <a:rPr lang="en-US" sz="1200" i="1">
-                                <a:latin typeface="Cambria Math" panose="02040503050406030204" pitchFamily="18" charset="0"/>
-                              </a:rPr>
-                              <m:t>𝑣</m:t>
-                            </m:r>
-                          </m:e>
-                          <m:sup>
-                            <m:d>
-                              <m:dPr>
-                                <m:ctrlPr>
-                                  <a:rPr lang="en-US" sz="1200" i="1">
-                                    <a:latin typeface="Cambria Math" panose="02040503050406030204" pitchFamily="18" charset="0"/>
-                                  </a:rPr>
-                                </m:ctrlPr>
-                              </m:dPr>
-                              <m:e>
-                                <m:r>
-                                  <a:rPr lang="en-US" sz="1200" i="0">
-                                    <a:latin typeface="Cambria Math" panose="02040503050406030204" pitchFamily="18" charset="0"/>
-                                  </a:rPr>
-                                  <m:t>1</m:t>
-                                </m:r>
-                              </m:e>
-                            </m:d>
-                          </m:sup>
-                        </m:sSup>
-                      </m:oMath>
-                    </m:oMathPara>
-                  </a14:m>
-                  <a:endParaRPr lang="en-US" sz="1200" dirty="0"/>
-                </a:p>
-              </p:txBody>
-            </p:sp>
-          </mc:Choice>
-          <mc:Fallback xmlns="">
-            <p:sp>
-              <p:nvSpPr>
-                <p:cNvPr id="4" name="Rectangle 3"/>
-                <p:cNvSpPr>
-                  <a:spLocks noRot="1" noChangeAspect="1" noMove="1" noResize="1" noEditPoints="1" noAdjustHandles="1" noChangeArrowheads="1" noChangeShapeType="1" noTextEdit="1"/>
-                </p:cNvSpPr>
-                <p:nvPr/>
-              </p:nvSpPr>
-              <p:spPr>
-                <a:xfrm>
-                  <a:off x="-113820" y="1098268"/>
-                  <a:ext cx="477631" cy="289503"/>
-                </a:xfrm>
-                <a:prstGeom prst="rect">
-                  <a:avLst/>
-                </a:prstGeom>
-                <a:blipFill rotWithShape="0">
-                  <a:blip r:embed="rId3"/>
-                  <a:stretch>
-                    <a:fillRect/>
-                  </a:stretch>
-                </a:blipFill>
-              </p:spPr>
-              <p:txBody>
-                <a:bodyPr/>
-                <a:lstStyle/>
-                <a:p>
-                  <a:r>
-                    <a:rPr lang="en-US">
-                      <a:noFill/>
-                    </a:rPr>
-                    <a:t> </a:t>
-                  </a:r>
-                </a:p>
-              </p:txBody>
-            </p:sp>
-          </mc:Fallback>
-        </mc:AlternateContent>
-        <mc:AlternateContent xmlns:mc="http://schemas.openxmlformats.org/markup-compatibility/2006" xmlns:a14="http://schemas.microsoft.com/office/drawing/2010/main">
-          <mc:Choice Requires="a14">
-            <p:sp>
-              <p:nvSpPr>
-                <p:cNvPr id="15" name="Rectangle 14"/>
-                <p:cNvSpPr/>
-                <p:nvPr/>
-              </p:nvSpPr>
-              <p:spPr>
-                <a:xfrm>
-                  <a:off x="2521571" y="367261"/>
-                  <a:ext cx="477631" cy="289503"/>
-                </a:xfrm>
-                <a:prstGeom prst="rect">
-                  <a:avLst/>
-                </a:prstGeom>
-              </p:spPr>
-              <p:txBody>
-                <a:bodyPr wrap="none">
-                  <a:spAutoFit/>
-                </a:bodyPr>
-                <a:lstStyle/>
-                <a:p>
-                  <a:pPr/>
-                  <a14:m>
-                    <m:oMathPara xmlns:m="http://schemas.openxmlformats.org/officeDocument/2006/math">
-                      <m:oMathParaPr>
-                        <m:jc m:val="centerGroup"/>
-                      </m:oMathParaPr>
-                      <m:oMath xmlns:m="http://schemas.openxmlformats.org/officeDocument/2006/math">
-                        <m:sSup>
-                          <m:sSupPr>
-                            <m:ctrlPr>
-                              <a:rPr lang="en-US" sz="1200" i="1" smtClean="0">
-                                <a:latin typeface="Cambria Math" panose="02040503050406030204" pitchFamily="18" charset="0"/>
-                              </a:rPr>
-                            </m:ctrlPr>
-                          </m:sSupPr>
-                          <m:e>
-                            <m:r>
-                              <a:rPr lang="en-US" sz="1200" i="1">
-                                <a:latin typeface="Cambria Math" panose="02040503050406030204" pitchFamily="18" charset="0"/>
-                              </a:rPr>
-                              <m:t>𝑣</m:t>
-                            </m:r>
-                          </m:e>
-                          <m:sup>
-                            <m:d>
-                              <m:dPr>
-                                <m:ctrlPr>
-                                  <a:rPr lang="en-US" sz="1200" i="1">
-                                    <a:latin typeface="Cambria Math" panose="02040503050406030204" pitchFamily="18" charset="0"/>
-                                  </a:rPr>
-                                </m:ctrlPr>
-                              </m:dPr>
-                              <m:e>
-                                <m:r>
-                                  <a:rPr lang="en-US" sz="1200" b="0" i="0" smtClean="0">
-                                    <a:latin typeface="Cambria Math" panose="02040503050406030204" pitchFamily="18" charset="0"/>
-                                  </a:rPr>
-                                  <m:t>2</m:t>
-                                </m:r>
-                              </m:e>
-                            </m:d>
-                          </m:sup>
-                        </m:sSup>
-                      </m:oMath>
-                    </m:oMathPara>
-                  </a14:m>
-                  <a:endParaRPr lang="en-US" sz="1200" dirty="0"/>
-                </a:p>
-              </p:txBody>
-            </p:sp>
-          </mc:Choice>
-          <mc:Fallback xmlns="">
-            <p:sp>
-              <p:nvSpPr>
-                <p:cNvPr id="15" name="Rectangle 14"/>
-                <p:cNvSpPr>
-                  <a:spLocks noRot="1" noChangeAspect="1" noMove="1" noResize="1" noEditPoints="1" noAdjustHandles="1" noChangeArrowheads="1" noChangeShapeType="1" noTextEdit="1"/>
-                </p:cNvSpPr>
-                <p:nvPr/>
-              </p:nvSpPr>
-              <p:spPr>
-                <a:xfrm>
-                  <a:off x="2521571" y="367261"/>
-                  <a:ext cx="477631" cy="289503"/>
-                </a:xfrm>
-                <a:prstGeom prst="rect">
-                  <a:avLst/>
-                </a:prstGeom>
-                <a:blipFill rotWithShape="0">
-                  <a:blip r:embed="rId4"/>
-                  <a:stretch>
-                    <a:fillRect/>
-                  </a:stretch>
-                </a:blipFill>
-              </p:spPr>
-              <p:txBody>
-                <a:bodyPr/>
-                <a:lstStyle/>
-                <a:p>
-                  <a:r>
-                    <a:rPr lang="en-US">
-                      <a:noFill/>
-                    </a:rPr>
-                    <a:t> </a:t>
-                  </a:r>
-                </a:p>
-              </p:txBody>
-            </p:sp>
-          </mc:Fallback>
-        </mc:AlternateContent>
-      </p:grpSp>
+        </mc:Fallback>
+      </mc:AlternateContent>
+      <p:cxnSp>
+        <p:nvCxnSpPr>
+          <p:cNvPr id="28" name="Straight Arrow Connector 27"/>
+          <p:cNvCxnSpPr/>
+          <p:nvPr/>
+        </p:nvCxnSpPr>
+        <p:spPr>
+          <a:xfrm>
+            <a:off x="2239055" y="1578597"/>
+            <a:ext cx="180975" cy="59531"/>
+          </a:xfrm>
+          <a:prstGeom prst="straightConnector1">
+            <a:avLst/>
+          </a:prstGeom>
+          <a:ln>
+            <a:headEnd w="sm" len="sm"/>
+            <a:tailEnd type="triangle" w="sm" len="sm"/>
+          </a:ln>
+        </p:spPr>
+        <p:style>
+          <a:lnRef idx="1">
+            <a:schemeClr val="dk1"/>
+          </a:lnRef>
+          <a:fillRef idx="0">
+            <a:schemeClr val="dk1"/>
+          </a:fillRef>
+          <a:effectRef idx="0">
+            <a:schemeClr val="dk1"/>
+          </a:effectRef>
+          <a:fontRef idx="minor">
+            <a:schemeClr val="tx1"/>
+          </a:fontRef>
+        </p:style>
+      </p:cxnSp>
     </p:spTree>
     <p:extLst>
       <p:ext uri="{BB962C8B-B14F-4D97-AF65-F5344CB8AC3E}">
